--- a/docs/serviceDeliveryModel.pptx
+++ b/docs/serviceDeliveryModel.pptx
@@ -158,6 +158,46 @@
       </a:defRPr>
     </a:lvl9pPr>
   </p:defaultTextStyle>
+  <p:extLst>
+    <p:ext uri="{EFAFB233-063F-42B5-8137-9DF3F51BA10A}">
+      <p15:sldGuideLst xmlns:p15="http://schemas.microsoft.com/office/powerpoint/2012/main">
+        <p15:guide id="1" orient="horz" pos="1207">
+          <p15:clr>
+            <a:srgbClr val="A4A3A4"/>
+          </p15:clr>
+        </p15:guide>
+        <p15:guide id="2" orient="horz" pos="3007">
+          <p15:clr>
+            <a:srgbClr val="A4A3A4"/>
+          </p15:clr>
+        </p15:guide>
+        <p15:guide id="3" orient="horz" pos="437">
+          <p15:clr>
+            <a:srgbClr val="A4A3A4"/>
+          </p15:clr>
+        </p15:guide>
+        <p15:guide id="4" pos="369">
+          <p15:clr>
+            <a:srgbClr val="A4A3A4"/>
+          </p15:clr>
+        </p15:guide>
+      </p15:sldGuideLst>
+    </p:ext>
+    <p:ext uri="{2D200454-40CA-4A62-9FC3-DE9A4176ACB9}">
+      <p15:notesGuideLst xmlns:p15="http://schemas.microsoft.com/office/powerpoint/2012/main">
+        <p15:guide id="1" orient="horz" pos="2905">
+          <p15:clr>
+            <a:srgbClr val="A4A3A4"/>
+          </p15:clr>
+        </p15:guide>
+        <p15:guide id="2" pos="2206">
+          <p15:clr>
+            <a:srgbClr val="A4A3A4"/>
+          </p15:clr>
+        </p15:guide>
+      </p15:notesGuideLst>
+    </p:ext>
+  </p:extLst>
 </p:presentation>
 </file>
 
@@ -3602,28 +3642,13 @@
         <p:spPr>
           <a:xfrm>
             <a:off x="722313" y="4062234"/>
-            <a:ext cx="7772400" cy="674031"/>
+            <a:ext cx="7772400" cy="424732"/>
           </a:xfrm>
         </p:spPr>
         <p:txBody>
           <a:bodyPr/>
           <a:lstStyle/>
           <a:p>
-            <a:r>
-              <a:rPr lang="en-US" sz="2400" dirty="0" smtClean="0"/>
-              <a:t>Enterprise Architecture</a:t>
-            </a:r>
-            <a:br>
-              <a:rPr lang="en-US" sz="2400" dirty="0" smtClean="0"/>
-            </a:br>
-            <a:r>
-              <a:rPr lang="en-US" sz="1800" dirty="0"/>
-              <a:t>	</a:t>
-            </a:r>
-            <a:r>
-              <a:rPr lang="en-US" sz="1800" dirty="0" smtClean="0"/>
-              <a:t>Rob Byrd, Chief Enterprise Architect</a:t>
-            </a:r>
             <a:endParaRPr lang="en-US" sz="2400" dirty="0"/>
           </a:p>
         </p:txBody>
@@ -3670,58 +3695,6 @@
               <a:rPr lang="en-US" sz="1800" dirty="0" smtClean="0"/>
               <a:t>December 03, 2013</a:t>
             </a:r>
-          </a:p>
-        </p:txBody>
-      </p:sp>
-      <p:sp>
-        <p:nvSpPr>
-          <p:cNvPr id="5" name="TextBox 4"/>
-          <p:cNvSpPr txBox="1"/>
-          <p:nvPr/>
-        </p:nvSpPr>
-        <p:spPr>
-          <a:xfrm>
-            <a:off x="597877" y="3671660"/>
-            <a:ext cx="1577676" cy="307777"/>
-          </a:xfrm>
-          <a:prstGeom prst="rect">
-            <a:avLst/>
-          </a:prstGeom>
-          <a:noFill/>
-        </p:spPr>
-        <p:txBody>
-          <a:bodyPr wrap="none" rtlCol="0">
-            <a:spAutoFit/>
-          </a:bodyPr>
-          <a:lstStyle/>
-          <a:p>
-            <a:r>
-              <a:rPr lang="en-US" dirty="0" smtClean="0">
-                <a:effectLst>
-                  <a:outerShdw blurRad="38100" dist="38100" dir="2700000" algn="tl">
-                    <a:srgbClr val="000000">
-                      <a:alpha val="43137"/>
-                    </a:srgbClr>
-                  </a:outerShdw>
-                </a:effectLst>
-                <a:latin typeface="Verdana" panose="020B0604030504040204" pitchFamily="34" charset="0"/>
-                <a:ea typeface="Verdana" panose="020B0604030504040204" pitchFamily="34" charset="0"/>
-                <a:cs typeface="Verdana" panose="020B0604030504040204" pitchFamily="34" charset="0"/>
-              </a:rPr>
-              <a:t>Presented by:</a:t>
-            </a:r>
-            <a:endParaRPr lang="en-US" dirty="0">
-              <a:effectLst>
-                <a:outerShdw blurRad="38100" dist="38100" dir="2700000" algn="tl">
-                  <a:srgbClr val="000000">
-                    <a:alpha val="43137"/>
-                  </a:srgbClr>
-                </a:outerShdw>
-              </a:effectLst>
-              <a:latin typeface="Verdana" panose="020B0604030504040204" pitchFamily="34" charset="0"/>
-              <a:ea typeface="Verdana" panose="020B0604030504040204" pitchFamily="34" charset="0"/>
-              <a:cs typeface="Verdana" panose="020B0604030504040204" pitchFamily="34" charset="0"/>
-            </a:endParaRPr>
           </a:p>
         </p:txBody>
       </p:sp>
@@ -10082,29 +10055,13 @@
           <a:p>
             <a:r>
               <a:rPr lang="en-US" dirty="0" smtClean="0"/>
-              <a:t>Identify and establish important business </a:t>
-            </a:r>
-            <a:r>
-              <a:rPr lang="en-US" dirty="0" smtClean="0"/>
-              <a:t>capabilities </a:t>
-            </a:r>
-            <a:r>
-              <a:rPr lang="en-US" dirty="0" smtClean="0"/>
-              <a:t>to aid in defining important IT improvements and project priorities</a:t>
+              <a:t>Identify and establish important business capabilities to aid in defining important IT improvements and project priorities</a:t>
             </a:r>
           </a:p>
           <a:p>
             <a:r>
               <a:rPr lang="en-US" dirty="0" smtClean="0"/>
-              <a:t>Ensure business </a:t>
-            </a:r>
-            <a:r>
-              <a:rPr lang="en-US" dirty="0" smtClean="0"/>
-              <a:t>capabilities </a:t>
-            </a:r>
-            <a:r>
-              <a:rPr lang="en-US" dirty="0" smtClean="0"/>
-              <a:t>are outcome focused and consistently defined at the same level of abstraction</a:t>
+              <a:t>Ensure business capabilities are outcome focused and consistently defined at the same level of abstraction</a:t>
             </a:r>
           </a:p>
           <a:p>
@@ -10664,15 +10621,7 @@
           <a:p>
             <a:r>
               <a:rPr lang="en-US" dirty="0" smtClean="0"/>
-              <a:t>EA is more a business entity than an IT </a:t>
-            </a:r>
-            <a:r>
-              <a:rPr lang="en-US" dirty="0" smtClean="0"/>
-              <a:t>service </a:t>
-            </a:r>
-            <a:r>
-              <a:rPr lang="en-US" dirty="0" smtClean="0"/>
-              <a:t>provider – places business need in context of the required user experience without dictating the final solution</a:t>
+              <a:t>EA is more a business entity than an IT service provider – places business need in context of the required user experience without dictating the final solution</a:t>
             </a:r>
             <a:endParaRPr lang="en-US" dirty="0"/>
           </a:p>
